--- a/05-CSS3.pptx
+++ b/05-CSS3.pptx
@@ -240,7 +240,7 @@
           <a:p>
             <a:fld id="{2E054F57-E93D-4CC3-8A27-2F256E70BB98}" type="datetimeFigureOut">
               <a:rPr lang="en-US" smtClean="0"/>
-              <a:t>26 Jul 15</a:t>
+              <a:t>27 Jul 15</a:t>
             </a:fld>
             <a:endParaRPr lang="en-US"/>
           </a:p>
@@ -689,7 +689,7 @@
           <a:p>
             <a:fld id="{3EA744D9-3FBE-48D8-BF2A-85DF203E4D20}" type="datetimeFigureOut">
               <a:rPr lang="bg-BG" smtClean="0"/>
-              <a:t>26.7.2015 г.</a:t>
+              <a:t>27.7.2015 г.</a:t>
             </a:fld>
             <a:endParaRPr lang="bg-BG"/>
           </a:p>
@@ -859,7 +859,7 @@
           <a:p>
             <a:fld id="{3EA744D9-3FBE-48D8-BF2A-85DF203E4D20}" type="datetimeFigureOut">
               <a:rPr lang="bg-BG" smtClean="0"/>
-              <a:t>26.7.2015 г.</a:t>
+              <a:t>27.7.2015 г.</a:t>
             </a:fld>
             <a:endParaRPr lang="bg-BG"/>
           </a:p>
@@ -1039,7 +1039,7 @@
           <a:p>
             <a:fld id="{3EA744D9-3FBE-48D8-BF2A-85DF203E4D20}" type="datetimeFigureOut">
               <a:rPr lang="bg-BG" smtClean="0"/>
-              <a:t>26.7.2015 г.</a:t>
+              <a:t>27.7.2015 г.</a:t>
             </a:fld>
             <a:endParaRPr lang="bg-BG"/>
           </a:p>
@@ -1209,7 +1209,7 @@
           <a:p>
             <a:fld id="{3EA744D9-3FBE-48D8-BF2A-85DF203E4D20}" type="datetimeFigureOut">
               <a:rPr lang="bg-BG" smtClean="0"/>
-              <a:t>26.7.2015 г.</a:t>
+              <a:t>27.7.2015 г.</a:t>
             </a:fld>
             <a:endParaRPr lang="bg-BG"/>
           </a:p>
@@ -1455,7 +1455,7 @@
           <a:p>
             <a:fld id="{3EA744D9-3FBE-48D8-BF2A-85DF203E4D20}" type="datetimeFigureOut">
               <a:rPr lang="bg-BG" smtClean="0"/>
-              <a:t>26.7.2015 г.</a:t>
+              <a:t>27.7.2015 г.</a:t>
             </a:fld>
             <a:endParaRPr lang="bg-BG"/>
           </a:p>
@@ -1743,7 +1743,7 @@
           <a:p>
             <a:fld id="{3EA744D9-3FBE-48D8-BF2A-85DF203E4D20}" type="datetimeFigureOut">
               <a:rPr lang="bg-BG" smtClean="0"/>
-              <a:t>26.7.2015 г.</a:t>
+              <a:t>27.7.2015 г.</a:t>
             </a:fld>
             <a:endParaRPr lang="bg-BG"/>
           </a:p>
@@ -2165,7 +2165,7 @@
           <a:p>
             <a:fld id="{3EA744D9-3FBE-48D8-BF2A-85DF203E4D20}" type="datetimeFigureOut">
               <a:rPr lang="bg-BG" smtClean="0"/>
-              <a:t>26.7.2015 г.</a:t>
+              <a:t>27.7.2015 г.</a:t>
             </a:fld>
             <a:endParaRPr lang="bg-BG"/>
           </a:p>
@@ -2283,7 +2283,7 @@
           <a:p>
             <a:fld id="{3EA744D9-3FBE-48D8-BF2A-85DF203E4D20}" type="datetimeFigureOut">
               <a:rPr lang="bg-BG" smtClean="0"/>
-              <a:t>26.7.2015 г.</a:t>
+              <a:t>27.7.2015 г.</a:t>
             </a:fld>
             <a:endParaRPr lang="bg-BG"/>
           </a:p>
@@ -2378,7 +2378,7 @@
           <a:p>
             <a:fld id="{3EA744D9-3FBE-48D8-BF2A-85DF203E4D20}" type="datetimeFigureOut">
               <a:rPr lang="bg-BG" smtClean="0"/>
-              <a:t>26.7.2015 г.</a:t>
+              <a:t>27.7.2015 г.</a:t>
             </a:fld>
             <a:endParaRPr lang="bg-BG"/>
           </a:p>
@@ -2655,7 +2655,7 @@
           <a:p>
             <a:fld id="{3EA744D9-3FBE-48D8-BF2A-85DF203E4D20}" type="datetimeFigureOut">
               <a:rPr lang="bg-BG" smtClean="0"/>
-              <a:t>26.7.2015 г.</a:t>
+              <a:t>27.7.2015 г.</a:t>
             </a:fld>
             <a:endParaRPr lang="bg-BG"/>
           </a:p>
@@ -2908,7 +2908,7 @@
           <a:p>
             <a:fld id="{3EA744D9-3FBE-48D8-BF2A-85DF203E4D20}" type="datetimeFigureOut">
               <a:rPr lang="bg-BG" smtClean="0"/>
-              <a:t>26.7.2015 г.</a:t>
+              <a:t>27.7.2015 г.</a:t>
             </a:fld>
             <a:endParaRPr lang="bg-BG"/>
           </a:p>
@@ -3130,7 +3130,7 @@
           <a:p>
             <a:fld id="{3EA744D9-3FBE-48D8-BF2A-85DF203E4D20}" type="datetimeFigureOut">
               <a:rPr lang="bg-BG" smtClean="0"/>
-              <a:t>26.7.2015 г.</a:t>
+              <a:t>27.7.2015 г.</a:t>
             </a:fld>
             <a:endParaRPr lang="bg-BG"/>
           </a:p>
@@ -5927,15 +5927,7 @@
                   <a:schemeClr val="accent6"/>
                 </a:solidFill>
               </a:rPr>
-              <a:t>3D </a:t>
-            </a:r>
-            <a:r>
-              <a:rPr lang="en-US" dirty="0" smtClean="0">
-                <a:solidFill>
-                  <a:schemeClr val="accent6"/>
-                </a:solidFill>
-              </a:rPr>
-              <a:t>Transforms</a:t>
+              <a:t>3D Transforms</a:t>
             </a:r>
             <a:endParaRPr lang="bg-BG" dirty="0">
               <a:solidFill>
@@ -6361,13 +6353,6 @@
               </a:rPr>
               <a:t>(angle)</a:t>
             </a:r>
-            <a:endParaRPr lang="en-US" sz="3000" dirty="0">
-              <a:solidFill>
-                <a:schemeClr val="bg1"/>
-              </a:solidFill>
-              <a:latin typeface="+mj-lt"/>
-              <a:cs typeface="Courier New" panose="02070309020205020404" pitchFamily="49" charset="0"/>
-            </a:endParaRPr>
           </a:p>
         </p:txBody>
       </p:sp>
@@ -7029,13 +7014,6 @@
               </a:rPr>
               <a:t>column-width</a:t>
             </a:r>
-            <a:endParaRPr lang="en-US" sz="3000" dirty="0">
-              <a:solidFill>
-                <a:schemeClr val="bg1"/>
-              </a:solidFill>
-              <a:latin typeface="+mj-lt"/>
-              <a:cs typeface="Courier New" panose="02070309020205020404" pitchFamily="49" charset="0"/>
-            </a:endParaRPr>
           </a:p>
         </p:txBody>
       </p:sp>
@@ -7855,6 +7833,233 @@
             <a:normAutofit/>
           </a:bodyPr>
           <a:lstStyle/>
+          <a:p>
+            <a:pPr marL="457200" indent="-457200">
+              <a:buAutoNum type="arabicPeriod"/>
+            </a:pPr>
+            <a:r>
+              <a:rPr lang="bg-BG" sz="2000" b="1" dirty="0" smtClean="0">
+                <a:solidFill>
+                  <a:schemeClr val="bg1">
+                    <a:lumMod val="95000"/>
+                  </a:schemeClr>
+                </a:solidFill>
+              </a:rPr>
+              <a:t>Използвайки </a:t>
+            </a:r>
+            <a:r>
+              <a:rPr lang="en-US" sz="2000" b="1" dirty="0" smtClean="0">
+                <a:solidFill>
+                  <a:schemeClr val="bg1">
+                    <a:lumMod val="95000"/>
+                  </a:schemeClr>
+                </a:solidFill>
+              </a:rPr>
+              <a:t>CSS3, </a:t>
+            </a:r>
+            <a:r>
+              <a:rPr lang="bg-BG" sz="2000" b="1" dirty="0" smtClean="0">
+                <a:solidFill>
+                  <a:schemeClr val="bg1">
+                    <a:lumMod val="95000"/>
+                  </a:schemeClr>
+                </a:solidFill>
+              </a:rPr>
+              <a:t>направете форма, подобна на </a:t>
+            </a:r>
+            <a:r>
+              <a:rPr lang="en-US" sz="2000" b="1" dirty="0" smtClean="0">
+                <a:solidFill>
+                  <a:schemeClr val="bg1">
+                    <a:lumMod val="95000"/>
+                  </a:schemeClr>
+                </a:solidFill>
+              </a:rPr>
+              <a:t>05-CSS3-Tasks/task1.png</a:t>
+            </a:r>
+          </a:p>
+          <a:p>
+            <a:pPr marL="457200" indent="-457200">
+              <a:buAutoNum type="arabicPeriod"/>
+            </a:pPr>
+            <a:r>
+              <a:rPr lang="bg-BG" sz="2000" b="1" dirty="0" smtClean="0">
+                <a:solidFill>
+                  <a:schemeClr val="bg1">
+                    <a:lumMod val="95000"/>
+                  </a:schemeClr>
+                </a:solidFill>
+              </a:rPr>
+              <a:t>Използвайки </a:t>
+            </a:r>
+            <a:r>
+              <a:rPr lang="en-US" sz="2000" b="1" dirty="0" smtClean="0">
+                <a:solidFill>
+                  <a:schemeClr val="bg1">
+                    <a:lumMod val="95000"/>
+                  </a:schemeClr>
+                </a:solidFill>
+              </a:rPr>
+              <a:t>CSS3, </a:t>
+            </a:r>
+            <a:r>
+              <a:rPr lang="bg-BG" sz="2000" b="1" dirty="0" smtClean="0">
+                <a:solidFill>
+                  <a:schemeClr val="bg1">
+                    <a:lumMod val="95000"/>
+                  </a:schemeClr>
+                </a:solidFill>
+              </a:rPr>
+              <a:t>направете елементите, изобразени на </a:t>
+            </a:r>
+            <a:r>
+              <a:rPr lang="en-US" sz="2000" b="1" dirty="0" smtClean="0">
+                <a:solidFill>
+                  <a:schemeClr val="bg1">
+                    <a:lumMod val="95000"/>
+                  </a:schemeClr>
+                </a:solidFill>
+              </a:rPr>
+              <a:t>05-CSS3-Tasks/task2.png</a:t>
+            </a:r>
+            <a:r>
+              <a:rPr lang="bg-BG" sz="2000" b="1" dirty="0" smtClean="0">
+                <a:solidFill>
+                  <a:schemeClr val="bg1">
+                    <a:lumMod val="95000"/>
+                  </a:schemeClr>
+                </a:solidFill>
+              </a:rPr>
+              <a:t>, като текстът в третия елемент, трябва да бъде от поне 20 думи.</a:t>
+            </a:r>
+          </a:p>
+          <a:p>
+            <a:pPr marL="457200" indent="-457200">
+              <a:buAutoNum type="arabicPeriod"/>
+            </a:pPr>
+            <a:r>
+              <a:rPr lang="bg-BG" sz="2000" b="1" dirty="0" smtClean="0">
+                <a:solidFill>
+                  <a:schemeClr val="bg1">
+                    <a:lumMod val="95000"/>
+                  </a:schemeClr>
+                </a:solidFill>
+              </a:rPr>
+              <a:t>Използвайки </a:t>
+            </a:r>
+            <a:r>
+              <a:rPr lang="en-US" sz="2000" b="1" dirty="0" smtClean="0">
+                <a:solidFill>
+                  <a:schemeClr val="bg1">
+                    <a:lumMod val="95000"/>
+                  </a:schemeClr>
+                </a:solidFill>
+              </a:rPr>
+              <a:t>CSS3,</a:t>
+            </a:r>
+            <a:r>
+              <a:rPr lang="bg-BG" sz="2000" b="1" dirty="0" smtClean="0">
+                <a:solidFill>
+                  <a:schemeClr val="bg1">
+                    <a:lumMod val="95000"/>
+                  </a:schemeClr>
+                </a:solidFill>
+              </a:rPr>
+              <a:t> направете страница, подобна на </a:t>
+            </a:r>
+            <a:r>
+              <a:rPr lang="en-US" sz="2000" b="1" dirty="0" smtClean="0">
+                <a:solidFill>
+                  <a:schemeClr val="bg1">
+                    <a:lumMod val="95000"/>
+                  </a:schemeClr>
+                </a:solidFill>
+              </a:rPr>
+              <a:t>CSS3-Tasks/task3.png</a:t>
+            </a:r>
+            <a:r>
+              <a:rPr lang="bg-BG" sz="2000" b="1" dirty="0" smtClean="0">
+                <a:solidFill>
+                  <a:schemeClr val="bg1">
+                    <a:lumMod val="95000"/>
+                  </a:schemeClr>
+                </a:solidFill>
+              </a:rPr>
+              <a:t>, като упражните </a:t>
+            </a:r>
+            <a:r>
+              <a:rPr lang="en-US" sz="2000" b="1" dirty="0" smtClean="0">
+                <a:solidFill>
+                  <a:schemeClr val="bg1">
+                    <a:lumMod val="95000"/>
+                  </a:schemeClr>
+                </a:solidFill>
+              </a:rPr>
+              <a:t>column</a:t>
+            </a:r>
+            <a:r>
+              <a:rPr lang="bg-BG" sz="2000" b="1" dirty="0" smtClean="0">
+                <a:solidFill>
+                  <a:schemeClr val="bg1">
+                    <a:lumMod val="95000"/>
+                  </a:schemeClr>
+                </a:solidFill>
+              </a:rPr>
+              <a:t> свойствата.</a:t>
+            </a:r>
+          </a:p>
+          <a:p>
+            <a:pPr marL="457200" indent="-457200">
+              <a:buAutoNum type="arabicPeriod"/>
+            </a:pPr>
+            <a:r>
+              <a:rPr lang="bg-BG" sz="2000" b="1" dirty="0" smtClean="0">
+                <a:solidFill>
+                  <a:schemeClr val="bg1">
+                    <a:lumMod val="95000"/>
+                  </a:schemeClr>
+                </a:solidFill>
+              </a:rPr>
+              <a:t>Използвайки </a:t>
+            </a:r>
+            <a:r>
+              <a:rPr lang="en-US" sz="2000" b="1" dirty="0" smtClean="0">
+                <a:solidFill>
+                  <a:schemeClr val="bg1">
+                    <a:lumMod val="95000"/>
+                  </a:schemeClr>
+                </a:solidFill>
+              </a:rPr>
+              <a:t>CSS3, </a:t>
+            </a:r>
+            <a:r>
+              <a:rPr lang="bg-BG" sz="2000" b="1" dirty="0" smtClean="0">
+                <a:solidFill>
+                  <a:schemeClr val="bg1">
+                    <a:lumMod val="95000"/>
+                  </a:schemeClr>
+                </a:solidFill>
+              </a:rPr>
+              <a:t>направете страница, подобна на </a:t>
+            </a:r>
+            <a:r>
+              <a:rPr lang="en-US" sz="2000" b="1" smtClean="0">
+                <a:solidFill>
+                  <a:schemeClr val="bg1">
+                    <a:lumMod val="95000"/>
+                  </a:schemeClr>
+                </a:solidFill>
+              </a:rPr>
+              <a:t>CSS3-Tasks/task4.png</a:t>
+            </a:r>
+            <a:endParaRPr lang="en-US" sz="2000" b="1" dirty="0" smtClean="0">
+              <a:solidFill>
+                <a:schemeClr val="bg1">
+                  <a:lumMod val="95000"/>
+                </a:schemeClr>
+              </a:solidFill>
+            </a:endParaRPr>
+          </a:p>
           <a:p>
             <a:pPr marL="457200" indent="-457200">
               <a:buAutoNum type="arabicPeriod"/>

--- a/05-CSS3.pptx
+++ b/05-CSS3.pptx
@@ -7830,15 +7830,15 @@
         </p:spPr>
         <p:txBody>
           <a:bodyPr>
-            <a:normAutofit/>
+            <a:normAutofit fontScale="92500" lnSpcReduction="20000"/>
           </a:bodyPr>
           <a:lstStyle/>
           <a:p>
-            <a:pPr marL="457200" indent="-457200">
-              <a:buAutoNum type="arabicPeriod"/>
-            </a:pPr>
-            <a:r>
-              <a:rPr lang="bg-BG" sz="2000" b="1" dirty="0" smtClean="0">
+            <a:pPr marL="0" indent="0">
+              <a:buNone/>
+            </a:pPr>
+            <a:r>
+              <a:rPr lang="bg-BG" sz="2000" b="1" dirty="0">
                 <a:solidFill>
                   <a:schemeClr val="bg1">
                     <a:lumMod val="95000"/>
@@ -7855,7 +7855,7 @@
                   </a:schemeClr>
                 </a:solidFill>
               </a:rPr>
-              <a:t>CSS3, </a:t>
+              <a:t>CSS3</a:t>
             </a:r>
             <a:r>
               <a:rPr lang="bg-BG" sz="2000" b="1" dirty="0" smtClean="0">
@@ -7865,23 +7865,23 @@
                   </a:schemeClr>
                 </a:solidFill>
               </a:rPr>
-              <a:t>направете форма, подобна на </a:t>
-            </a:r>
-            <a:r>
-              <a:rPr lang="en-US" sz="2000" b="1" dirty="0" smtClean="0">
+              <a:t>:</a:t>
+            </a:r>
+          </a:p>
+          <a:p>
+            <a:pPr marL="457200" indent="-457200">
+              <a:buAutoNum type="arabicPeriod"/>
+            </a:pPr>
+            <a:r>
+              <a:rPr lang="bg-BG" sz="2000" b="1" dirty="0" smtClean="0">
                 <a:solidFill>
                   <a:schemeClr val="bg1">
                     <a:lumMod val="95000"/>
                   </a:schemeClr>
                 </a:solidFill>
               </a:rPr>
-              <a:t>05-CSS3-Tasks/task1.png</a:t>
-            </a:r>
-          </a:p>
-          <a:p>
-            <a:pPr marL="457200" indent="-457200">
-              <a:buAutoNum type="arabicPeriod"/>
-            </a:pPr>
+              <a:t>Н</a:t>
+            </a:r>
             <a:r>
               <a:rPr lang="bg-BG" sz="2000" b="1" dirty="0" smtClean="0">
                 <a:solidFill>
@@ -7890,37 +7890,42 @@
                   </a:schemeClr>
                 </a:solidFill>
               </a:rPr>
-              <a:t>Използвайки </a:t>
-            </a:r>
-            <a:r>
-              <a:rPr lang="en-US" sz="2000" b="1" dirty="0" smtClean="0">
+              <a:t>аправете </a:t>
+            </a:r>
+            <a:r>
+              <a:rPr lang="bg-BG" sz="2000" b="1" dirty="0" smtClean="0">
                 <a:solidFill>
                   <a:schemeClr val="bg1">
                     <a:lumMod val="95000"/>
                   </a:schemeClr>
                 </a:solidFill>
               </a:rPr>
-              <a:t>CSS3, </a:t>
-            </a:r>
-            <a:r>
-              <a:rPr lang="bg-BG" sz="2000" b="1" dirty="0" smtClean="0">
+              <a:t>форма, подобна на </a:t>
+            </a:r>
+            <a:r>
+              <a:rPr lang="en-US" sz="2000" b="1" dirty="0" smtClean="0">
                 <a:solidFill>
                   <a:schemeClr val="bg1">
                     <a:lumMod val="95000"/>
                   </a:schemeClr>
                 </a:solidFill>
               </a:rPr>
-              <a:t>направете елементите, изобразени на </a:t>
-            </a:r>
-            <a:r>
-              <a:rPr lang="en-US" sz="2000" b="1" dirty="0" smtClean="0">
+              <a:t>05-CSS3-Tasks/task1.png</a:t>
+            </a:r>
+          </a:p>
+          <a:p>
+            <a:pPr marL="457200" indent="-457200">
+              <a:buAutoNum type="arabicPeriod"/>
+            </a:pPr>
+            <a:r>
+              <a:rPr lang="bg-BG" sz="2000" b="1" dirty="0" smtClean="0">
                 <a:solidFill>
                   <a:schemeClr val="bg1">
                     <a:lumMod val="95000"/>
                   </a:schemeClr>
                 </a:solidFill>
               </a:rPr>
-              <a:t>05-CSS3-Tasks/task2.png</a:t>
+              <a:t>Направете </a:t>
             </a:r>
             <a:r>
               <a:rPr lang="bg-BG" sz="2000" b="1" dirty="0" smtClean="0">
@@ -7930,33 +7935,33 @@
                   </a:schemeClr>
                 </a:solidFill>
               </a:rPr>
-              <a:t>, като текстът в третия елемент, трябва да бъде от поне 20 думи.</a:t>
-            </a:r>
-          </a:p>
-          <a:p>
-            <a:pPr marL="457200" indent="-457200">
-              <a:buAutoNum type="arabicPeriod"/>
-            </a:pPr>
-            <a:r>
-              <a:rPr lang="bg-BG" sz="2000" b="1" dirty="0" smtClean="0">
+              <a:t>елементите, изобразени на </a:t>
+            </a:r>
+            <a:r>
+              <a:rPr lang="en-US" sz="2000" b="1" dirty="0" smtClean="0">
                 <a:solidFill>
                   <a:schemeClr val="bg1">
                     <a:lumMod val="95000"/>
                   </a:schemeClr>
                 </a:solidFill>
               </a:rPr>
-              <a:t>Използвайки </a:t>
-            </a:r>
-            <a:r>
-              <a:rPr lang="en-US" sz="2000" b="1" dirty="0" smtClean="0">
+              <a:t>05-CSS3-Tasks/task2.png</a:t>
+            </a:r>
+            <a:r>
+              <a:rPr lang="bg-BG" sz="2000" b="1" dirty="0" smtClean="0">
                 <a:solidFill>
                   <a:schemeClr val="bg1">
                     <a:lumMod val="95000"/>
                   </a:schemeClr>
                 </a:solidFill>
               </a:rPr>
-              <a:t>CSS3,</a:t>
-            </a:r>
+              <a:t>, като текстът в третия елемент, трябва да бъде от поне 20 думи.</a:t>
+            </a:r>
+          </a:p>
+          <a:p>
+            <a:pPr marL="457200" indent="-457200">
+              <a:buAutoNum type="arabicPeriod"/>
+            </a:pPr>
             <a:r>
               <a:rPr lang="bg-BG" sz="2000" b="1" dirty="0" smtClean="0">
                 <a:solidFill>
@@ -7965,53 +7970,48 @@
                   </a:schemeClr>
                 </a:solidFill>
               </a:rPr>
-              <a:t> направете страница, подобна на </a:t>
-            </a:r>
-            <a:r>
-              <a:rPr lang="en-US" sz="2000" b="1" dirty="0" smtClean="0">
+              <a:t>Направете </a:t>
+            </a:r>
+            <a:r>
+              <a:rPr lang="bg-BG" sz="2000" b="1" dirty="0" smtClean="0">
                 <a:solidFill>
                   <a:schemeClr val="bg1">
                     <a:lumMod val="95000"/>
                   </a:schemeClr>
                 </a:solidFill>
               </a:rPr>
-              <a:t>CSS3-Tasks/task3.png</a:t>
-            </a:r>
-            <a:r>
-              <a:rPr lang="bg-BG" sz="2000" b="1" dirty="0" smtClean="0">
+              <a:t>страница, подобна на </a:t>
+            </a:r>
+            <a:r>
+              <a:rPr lang="en-US" sz="2000" b="1" dirty="0" smtClean="0">
                 <a:solidFill>
                   <a:schemeClr val="bg1">
                     <a:lumMod val="95000"/>
                   </a:schemeClr>
                 </a:solidFill>
               </a:rPr>
-              <a:t>, като упражните </a:t>
-            </a:r>
-            <a:r>
-              <a:rPr lang="en-US" sz="2000" b="1" dirty="0" smtClean="0">
+              <a:t>CSS3-Tasks/task3.png</a:t>
+            </a:r>
+            <a:r>
+              <a:rPr lang="bg-BG" sz="2000" b="1" dirty="0" smtClean="0">
                 <a:solidFill>
                   <a:schemeClr val="bg1">
                     <a:lumMod val="95000"/>
                   </a:schemeClr>
                 </a:solidFill>
               </a:rPr>
-              <a:t>column</a:t>
-            </a:r>
-            <a:r>
-              <a:rPr lang="bg-BG" sz="2000" b="1" dirty="0" smtClean="0">
+              <a:t>, като упражните </a:t>
+            </a:r>
+            <a:r>
+              <a:rPr lang="en-US" sz="2000" b="1" dirty="0" smtClean="0">
                 <a:solidFill>
                   <a:schemeClr val="bg1">
                     <a:lumMod val="95000"/>
                   </a:schemeClr>
                 </a:solidFill>
               </a:rPr>
-              <a:t> свойствата.</a:t>
-            </a:r>
-          </a:p>
-          <a:p>
-            <a:pPr marL="457200" indent="-457200">
-              <a:buAutoNum type="arabicPeriod"/>
-            </a:pPr>
+              <a:t>column</a:t>
+            </a:r>
             <a:r>
               <a:rPr lang="bg-BG" sz="2000" b="1" dirty="0" smtClean="0">
                 <a:solidFill>
@@ -8020,17 +8020,22 @@
                   </a:schemeClr>
                 </a:solidFill>
               </a:rPr>
-              <a:t>Използвайки </a:t>
-            </a:r>
-            <a:r>
-              <a:rPr lang="en-US" sz="2000" b="1" dirty="0" smtClean="0">
+              <a:t> свойствата.</a:t>
+            </a:r>
+          </a:p>
+          <a:p>
+            <a:pPr marL="457200" indent="-457200">
+              <a:buAutoNum type="arabicPeriod"/>
+            </a:pPr>
+            <a:r>
+              <a:rPr lang="bg-BG" sz="2000" b="1" dirty="0" smtClean="0">
                 <a:solidFill>
                   <a:schemeClr val="bg1">
                     <a:lumMod val="95000"/>
                   </a:schemeClr>
                 </a:solidFill>
               </a:rPr>
-              <a:t>CSS3, </a:t>
+              <a:t>Направете </a:t>
             </a:r>
             <a:r>
               <a:rPr lang="bg-BG" sz="2000" b="1" dirty="0" smtClean="0">
@@ -8040,10 +8045,10 @@
                   </a:schemeClr>
                 </a:solidFill>
               </a:rPr>
-              <a:t>направете страница, подобна на </a:t>
-            </a:r>
-            <a:r>
-              <a:rPr lang="en-US" sz="2000" b="1" smtClean="0">
+              <a:t>страница, подобна на </a:t>
+            </a:r>
+            <a:r>
+              <a:rPr lang="en-US" sz="2000" b="1" dirty="0" smtClean="0">
                 <a:solidFill>
                   <a:schemeClr val="bg1">
                     <a:lumMod val="95000"/>
@@ -8051,6 +8056,41 @@
                 </a:solidFill>
               </a:rPr>
               <a:t>CSS3-Tasks/task4.png</a:t>
+            </a:r>
+          </a:p>
+          <a:p>
+            <a:pPr marL="457200" indent="-457200">
+              <a:buAutoNum type="arabicPeriod"/>
+            </a:pPr>
+            <a:r>
+              <a:rPr lang="bg-BG" sz="2000" b="1" dirty="0" smtClean="0">
+                <a:solidFill>
+                  <a:schemeClr val="bg1">
+                    <a:lumMod val="95000"/>
+                  </a:schemeClr>
+                </a:solidFill>
+              </a:rPr>
+              <a:t>Направете елемент, който при </a:t>
+            </a:r>
+            <a:r>
+              <a:rPr lang="en-US" sz="2000" b="1" dirty="0" smtClean="0">
+                <a:solidFill>
+                  <a:schemeClr val="bg1">
+                    <a:lumMod val="95000"/>
+                  </a:schemeClr>
+                </a:solidFill>
+              </a:rPr>
+              <a:t>hover</a:t>
+            </a:r>
+            <a:r>
+              <a:rPr lang="bg-BG" sz="2000" b="1" dirty="0" smtClean="0">
+                <a:solidFill>
+                  <a:schemeClr val="bg1">
+                    <a:lumMod val="95000"/>
+                  </a:schemeClr>
+                </a:solidFill>
+              </a:rPr>
+              <a:t>, да се завърта на 180 градуса и анимацията му трае точно 2 секунди</a:t>
             </a:r>
             <a:endParaRPr lang="en-US" sz="2000" b="1" dirty="0" smtClean="0">
               <a:solidFill>
@@ -8064,6 +8104,246 @@
             <a:pPr marL="457200" indent="-457200">
               <a:buAutoNum type="arabicPeriod"/>
             </a:pPr>
+            <a:r>
+              <a:rPr lang="bg-BG" sz="2000" b="1" dirty="0" smtClean="0">
+                <a:solidFill>
+                  <a:schemeClr val="bg1">
+                    <a:lumMod val="95000"/>
+                  </a:schemeClr>
+                </a:solidFill>
+              </a:rPr>
+              <a:t>Направете син квадрат с размери 100</a:t>
+            </a:r>
+            <a:r>
+              <a:rPr lang="en-US" sz="2000" b="1" dirty="0" err="1" smtClean="0">
+                <a:solidFill>
+                  <a:schemeClr val="bg1">
+                    <a:lumMod val="95000"/>
+                  </a:schemeClr>
+                </a:solidFill>
+              </a:rPr>
+              <a:t>px</a:t>
+            </a:r>
+            <a:r>
+              <a:rPr lang="en-US" sz="2000" b="1" dirty="0" smtClean="0">
+                <a:solidFill>
+                  <a:schemeClr val="bg1">
+                    <a:lumMod val="95000"/>
+                  </a:schemeClr>
+                </a:solidFill>
+              </a:rPr>
+              <a:t>/100px</a:t>
+            </a:r>
+            <a:r>
+              <a:rPr lang="bg-BG" sz="2000" b="1" dirty="0" smtClean="0">
+                <a:solidFill>
+                  <a:schemeClr val="bg1">
+                    <a:lumMod val="95000"/>
+                  </a:schemeClr>
+                </a:solidFill>
+              </a:rPr>
+              <a:t>, който с движението си описва квадрат, обратно на часовниковата стрелка, неограничен брой пъти.</a:t>
+            </a:r>
+          </a:p>
+          <a:p>
+            <a:pPr marL="0" indent="0">
+              <a:buNone/>
+            </a:pPr>
+            <a:r>
+              <a:rPr lang="bg-BG" sz="2000" b="1" dirty="0" smtClean="0">
+                <a:solidFill>
+                  <a:schemeClr val="bg1">
+                    <a:lumMod val="95000"/>
+                  </a:schemeClr>
+                </a:solidFill>
+              </a:rPr>
+              <a:t>	*</a:t>
+            </a:r>
+            <a:r>
+              <a:rPr lang="en-US" sz="2000" b="1" dirty="0" smtClean="0">
+                <a:solidFill>
+                  <a:schemeClr val="bg1">
+                    <a:lumMod val="95000"/>
+                  </a:schemeClr>
+                </a:solidFill>
+              </a:rPr>
+              <a:t>hint: </a:t>
+            </a:r>
+            <a:r>
+              <a:rPr lang="bg-BG" sz="2000" b="1" dirty="0" smtClean="0">
+                <a:solidFill>
+                  <a:schemeClr val="bg1">
+                    <a:lumMod val="95000"/>
+                  </a:schemeClr>
+                </a:solidFill>
+              </a:rPr>
+              <a:t>анимацията трябва да е подобна на тази в </a:t>
+            </a:r>
+            <a:r>
+              <a:rPr lang="en-US" sz="2000" b="1" dirty="0" smtClean="0">
+                <a:solidFill>
+                  <a:schemeClr val="bg1">
+                    <a:lumMod val="95000"/>
+                  </a:schemeClr>
+                </a:solidFill>
+              </a:rPr>
+              <a:t>05-CSS3-Examples/animations.html</a:t>
+            </a:r>
+            <a:r>
+              <a:rPr lang="bg-BG" sz="2000" b="1" dirty="0" smtClean="0">
+                <a:solidFill>
+                  <a:schemeClr val="bg1">
+                    <a:lumMod val="95000"/>
+                  </a:schemeClr>
+                </a:solidFill>
+              </a:rPr>
+              <a:t>(</a:t>
+            </a:r>
+            <a:r>
+              <a:rPr lang="en-US" sz="2000" b="1" dirty="0" smtClean="0">
+                <a:solidFill>
+                  <a:schemeClr val="bg1">
+                    <a:lumMod val="95000"/>
+                  </a:schemeClr>
+                </a:solidFill>
+              </a:rPr>
+              <a:t>Example</a:t>
+            </a:r>
+            <a:r>
+              <a:rPr lang="bg-BG" sz="2000" b="1" dirty="0" smtClean="0">
+                <a:solidFill>
+                  <a:schemeClr val="bg1">
+                    <a:lumMod val="95000"/>
+                  </a:schemeClr>
+                </a:solidFill>
+              </a:rPr>
+              <a:t> елементът), но с обратна посока</a:t>
+            </a:r>
+          </a:p>
+          <a:p>
+            <a:pPr marL="0" indent="0">
+              <a:buNone/>
+            </a:pPr>
+            <a:endParaRPr lang="bg-BG" sz="2000" b="1" dirty="0" smtClean="0">
+              <a:solidFill>
+                <a:schemeClr val="bg1">
+                  <a:lumMod val="95000"/>
+                </a:schemeClr>
+              </a:solidFill>
+            </a:endParaRPr>
+          </a:p>
+          <a:p>
+            <a:pPr marL="0" indent="0">
+              <a:buNone/>
+            </a:pPr>
+            <a:r>
+              <a:rPr lang="bg-BG" sz="2000" b="1" dirty="0" smtClean="0">
+                <a:solidFill>
+                  <a:schemeClr val="bg1">
+                    <a:lumMod val="95000"/>
+                  </a:schemeClr>
+                </a:solidFill>
+              </a:rPr>
+              <a:t>Когато </a:t>
+            </a:r>
+            <a:r>
+              <a:rPr lang="bg-BG" sz="2000" b="1" dirty="0">
+                <a:solidFill>
+                  <a:schemeClr val="bg1">
+                    <a:lumMod val="95000"/>
+                  </a:schemeClr>
+                </a:solidFill>
+              </a:rPr>
+              <a:t>сте готови с всички задачи, ги качвате в </a:t>
+            </a:r>
+            <a:r>
+              <a:rPr lang="en-US" sz="2000" b="1" dirty="0">
+                <a:solidFill>
+                  <a:schemeClr val="bg1">
+                    <a:lumMod val="95000"/>
+                  </a:schemeClr>
+                </a:solidFill>
+              </a:rPr>
+              <a:t>GitHub </a:t>
+            </a:r>
+            <a:r>
+              <a:rPr lang="bg-BG" sz="2000" b="1" dirty="0">
+                <a:solidFill>
+                  <a:schemeClr val="bg1">
+                    <a:lumMod val="95000"/>
+                  </a:schemeClr>
+                </a:solidFill>
+              </a:rPr>
+              <a:t>и ми пращате линк.</a:t>
+            </a:r>
+            <a:endParaRPr lang="bg-BG" sz="2000" dirty="0">
+              <a:solidFill>
+                <a:schemeClr val="bg1">
+                  <a:lumMod val="95000"/>
+                </a:schemeClr>
+              </a:solidFill>
+            </a:endParaRPr>
+          </a:p>
+          <a:p>
+            <a:pPr marL="0" indent="0">
+              <a:buNone/>
+            </a:pPr>
+            <a:r>
+              <a:rPr lang="bg-BG" sz="2000" b="1" dirty="0">
+                <a:solidFill>
+                  <a:schemeClr val="bg1">
+                    <a:lumMod val="95000"/>
+                  </a:schemeClr>
+                </a:solidFill>
+              </a:rPr>
+              <a:t>Крайният срок за предаване на задачите е </a:t>
+            </a:r>
+            <a:r>
+              <a:rPr lang="bg-BG" sz="2000" b="1" u="sng" dirty="0" smtClean="0">
+                <a:solidFill>
+                  <a:schemeClr val="bg1">
+                    <a:lumMod val="95000"/>
+                  </a:schemeClr>
+                </a:solidFill>
+              </a:rPr>
+              <a:t>02.08.2015</a:t>
+            </a:r>
+            <a:r>
+              <a:rPr lang="bg-BG" sz="2000" b="1" u="sng" dirty="0">
+                <a:solidFill>
+                  <a:schemeClr val="bg1">
+                    <a:lumMod val="95000"/>
+                  </a:schemeClr>
+                </a:solidFill>
+              </a:rPr>
+              <a:t>, 23:59 </a:t>
+            </a:r>
+            <a:r>
+              <a:rPr lang="bg-BG" sz="2000" b="1" u="sng" dirty="0">
+                <a:solidFill>
+                  <a:schemeClr val="bg1">
+                    <a:lumMod val="95000"/>
+                  </a:schemeClr>
+                </a:solidFill>
+                <a:sym typeface="Wingdings" panose="05000000000000000000" pitchFamily="2" charset="2"/>
+              </a:rPr>
+              <a:t></a:t>
+            </a:r>
+          </a:p>
+          <a:p>
+            <a:pPr marL="0" indent="0">
+              <a:buNone/>
+            </a:pPr>
+            <a:r>
+              <a:rPr lang="bg-BG" sz="2000" b="1" dirty="0">
+                <a:solidFill>
+                  <a:schemeClr val="bg1">
+                    <a:lumMod val="95000"/>
+                  </a:schemeClr>
+                </a:solidFill>
+              </a:rPr>
+              <a:t>Задачи, пратени след срока, няма да бъдат оценявани.</a:t>
+            </a:r>
             <a:endParaRPr lang="bg-BG" sz="2000" b="1" dirty="0">
               <a:solidFill>
                 <a:schemeClr val="bg1">

--- a/05-CSS3.pptx
+++ b/05-CSS3.pptx
@@ -240,7 +240,7 @@
           <a:p>
             <a:fld id="{2E054F57-E93D-4CC3-8A27-2F256E70BB98}" type="datetimeFigureOut">
               <a:rPr lang="en-US" smtClean="0"/>
-              <a:t>27 Jul 15</a:t>
+              <a:t>28 Jul 15</a:t>
             </a:fld>
             <a:endParaRPr lang="en-US"/>
           </a:p>
@@ -689,7 +689,7 @@
           <a:p>
             <a:fld id="{3EA744D9-3FBE-48D8-BF2A-85DF203E4D20}" type="datetimeFigureOut">
               <a:rPr lang="bg-BG" smtClean="0"/>
-              <a:t>27.7.2015 г.</a:t>
+              <a:t>28.7.2015 г.</a:t>
             </a:fld>
             <a:endParaRPr lang="bg-BG"/>
           </a:p>
@@ -859,7 +859,7 @@
           <a:p>
             <a:fld id="{3EA744D9-3FBE-48D8-BF2A-85DF203E4D20}" type="datetimeFigureOut">
               <a:rPr lang="bg-BG" smtClean="0"/>
-              <a:t>27.7.2015 г.</a:t>
+              <a:t>28.7.2015 г.</a:t>
             </a:fld>
             <a:endParaRPr lang="bg-BG"/>
           </a:p>
@@ -1039,7 +1039,7 @@
           <a:p>
             <a:fld id="{3EA744D9-3FBE-48D8-BF2A-85DF203E4D20}" type="datetimeFigureOut">
               <a:rPr lang="bg-BG" smtClean="0"/>
-              <a:t>27.7.2015 г.</a:t>
+              <a:t>28.7.2015 г.</a:t>
             </a:fld>
             <a:endParaRPr lang="bg-BG"/>
           </a:p>
@@ -1209,7 +1209,7 @@
           <a:p>
             <a:fld id="{3EA744D9-3FBE-48D8-BF2A-85DF203E4D20}" type="datetimeFigureOut">
               <a:rPr lang="bg-BG" smtClean="0"/>
-              <a:t>27.7.2015 г.</a:t>
+              <a:t>28.7.2015 г.</a:t>
             </a:fld>
             <a:endParaRPr lang="bg-BG"/>
           </a:p>
@@ -1455,7 +1455,7 @@
           <a:p>
             <a:fld id="{3EA744D9-3FBE-48D8-BF2A-85DF203E4D20}" type="datetimeFigureOut">
               <a:rPr lang="bg-BG" smtClean="0"/>
-              <a:t>27.7.2015 г.</a:t>
+              <a:t>28.7.2015 г.</a:t>
             </a:fld>
             <a:endParaRPr lang="bg-BG"/>
           </a:p>
@@ -1743,7 +1743,7 @@
           <a:p>
             <a:fld id="{3EA744D9-3FBE-48D8-BF2A-85DF203E4D20}" type="datetimeFigureOut">
               <a:rPr lang="bg-BG" smtClean="0"/>
-              <a:t>27.7.2015 г.</a:t>
+              <a:t>28.7.2015 г.</a:t>
             </a:fld>
             <a:endParaRPr lang="bg-BG"/>
           </a:p>
@@ -2165,7 +2165,7 @@
           <a:p>
             <a:fld id="{3EA744D9-3FBE-48D8-BF2A-85DF203E4D20}" type="datetimeFigureOut">
               <a:rPr lang="bg-BG" smtClean="0"/>
-              <a:t>27.7.2015 г.</a:t>
+              <a:t>28.7.2015 г.</a:t>
             </a:fld>
             <a:endParaRPr lang="bg-BG"/>
           </a:p>
@@ -2283,7 +2283,7 @@
           <a:p>
             <a:fld id="{3EA744D9-3FBE-48D8-BF2A-85DF203E4D20}" type="datetimeFigureOut">
               <a:rPr lang="bg-BG" smtClean="0"/>
-              <a:t>27.7.2015 г.</a:t>
+              <a:t>28.7.2015 г.</a:t>
             </a:fld>
             <a:endParaRPr lang="bg-BG"/>
           </a:p>
@@ -2378,7 +2378,7 @@
           <a:p>
             <a:fld id="{3EA744D9-3FBE-48D8-BF2A-85DF203E4D20}" type="datetimeFigureOut">
               <a:rPr lang="bg-BG" smtClean="0"/>
-              <a:t>27.7.2015 г.</a:t>
+              <a:t>28.7.2015 г.</a:t>
             </a:fld>
             <a:endParaRPr lang="bg-BG"/>
           </a:p>
@@ -2655,7 +2655,7 @@
           <a:p>
             <a:fld id="{3EA744D9-3FBE-48D8-BF2A-85DF203E4D20}" type="datetimeFigureOut">
               <a:rPr lang="bg-BG" smtClean="0"/>
-              <a:t>27.7.2015 г.</a:t>
+              <a:t>28.7.2015 г.</a:t>
             </a:fld>
             <a:endParaRPr lang="bg-BG"/>
           </a:p>
@@ -2908,7 +2908,7 @@
           <a:p>
             <a:fld id="{3EA744D9-3FBE-48D8-BF2A-85DF203E4D20}" type="datetimeFigureOut">
               <a:rPr lang="bg-BG" smtClean="0"/>
-              <a:t>27.7.2015 г.</a:t>
+              <a:t>28.7.2015 г.</a:t>
             </a:fld>
             <a:endParaRPr lang="bg-BG"/>
           </a:p>
@@ -3130,7 +3130,7 @@
           <a:p>
             <a:fld id="{3EA744D9-3FBE-48D8-BF2A-85DF203E4D20}" type="datetimeFigureOut">
               <a:rPr lang="bg-BG" smtClean="0"/>
-              <a:t>27.7.2015 г.</a:t>
+              <a:t>28.7.2015 г.</a:t>
             </a:fld>
             <a:endParaRPr lang="bg-BG"/>
           </a:p>
@@ -7830,269 +7830,189 @@
         </p:spPr>
         <p:txBody>
           <a:bodyPr>
-            <a:normAutofit fontScale="92500" lnSpcReduction="20000"/>
+            <a:normAutofit fontScale="85000" lnSpcReduction="20000"/>
           </a:bodyPr>
           <a:lstStyle/>
           <a:p>
-            <a:pPr marL="0" indent="0">
-              <a:buNone/>
-            </a:pPr>
-            <a:r>
-              <a:rPr lang="bg-BG" sz="2000" b="1" dirty="0">
+            <a:pPr marL="457200" indent="-457200">
+              <a:buAutoNum type="arabicPeriod"/>
+            </a:pPr>
+            <a:r>
+              <a:rPr lang="bg-BG" sz="2000" dirty="0">
                 <a:solidFill>
                   <a:schemeClr val="bg1">
                     <a:lumMod val="95000"/>
                   </a:schemeClr>
                 </a:solidFill>
               </a:rPr>
-              <a:t>Използвайки </a:t>
-            </a:r>
-            <a:r>
-              <a:rPr lang="en-US" sz="2000" b="1" dirty="0" smtClean="0">
+              <a:t>Създайте страница, подобна на тази във файла </a:t>
+            </a:r>
+            <a:r>
+              <a:rPr lang="en-US" sz="2000" dirty="0">
                 <a:solidFill>
                   <a:schemeClr val="bg1">
                     <a:lumMod val="95000"/>
                   </a:schemeClr>
                 </a:solidFill>
               </a:rPr>
-              <a:t>CSS3</a:t>
-            </a:r>
-            <a:r>
-              <a:rPr lang="bg-BG" sz="2000" b="1" dirty="0" smtClean="0">
+              <a:t>04-CSS-Tasks</a:t>
+            </a:r>
+            <a:r>
+              <a:rPr lang="bg-BG" sz="2000" dirty="0">
                 <a:solidFill>
                   <a:schemeClr val="bg1">
                     <a:lumMod val="95000"/>
                   </a:schemeClr>
                 </a:solidFill>
               </a:rPr>
-              <a:t>:</a:t>
-            </a:r>
-          </a:p>
-          <a:p>
-            <a:pPr marL="457200" indent="-457200">
-              <a:buAutoNum type="arabicPeriod"/>
-            </a:pPr>
-            <a:r>
-              <a:rPr lang="bg-BG" sz="2000" b="1" dirty="0" smtClean="0">
+              <a:t>/</a:t>
+            </a:r>
+            <a:r>
+              <a:rPr lang="en-US" sz="2000" dirty="0">
                 <a:solidFill>
                   <a:schemeClr val="bg1">
                     <a:lumMod val="95000"/>
                   </a:schemeClr>
                 </a:solidFill>
               </a:rPr>
-              <a:t>Н</a:t>
-            </a:r>
-            <a:r>
-              <a:rPr lang="bg-BG" sz="2000" b="1" dirty="0" smtClean="0">
+              <a:t>task</a:t>
+            </a:r>
+            <a:r>
+              <a:rPr lang="bg-BG" sz="2000" dirty="0">
                 <a:solidFill>
                   <a:schemeClr val="bg1">
                     <a:lumMod val="95000"/>
                   </a:schemeClr>
                 </a:solidFill>
               </a:rPr>
-              <a:t>аправете </a:t>
-            </a:r>
-            <a:r>
-              <a:rPr lang="bg-BG" sz="2000" b="1" dirty="0" smtClean="0">
+              <a:t>2</a:t>
+            </a:r>
+            <a:r>
+              <a:rPr lang="en-US" sz="2000" dirty="0" smtClean="0">
                 <a:solidFill>
                   <a:schemeClr val="bg1">
                     <a:lumMod val="95000"/>
                   </a:schemeClr>
                 </a:solidFill>
               </a:rPr>
-              <a:t>форма, подобна на </a:t>
-            </a:r>
-            <a:r>
-              <a:rPr lang="en-US" sz="2000" b="1" dirty="0" smtClean="0">
+              <a:t>.jpg</a:t>
+            </a:r>
+          </a:p>
+          <a:p>
+            <a:pPr marL="457200" indent="-457200">
+              <a:buAutoNum type="arabicPeriod"/>
+            </a:pPr>
+            <a:r>
+              <a:rPr lang="bg-BG" sz="2000" dirty="0" smtClean="0">
                 <a:solidFill>
                   <a:schemeClr val="bg1">
                     <a:lumMod val="95000"/>
                   </a:schemeClr>
                 </a:solidFill>
               </a:rPr>
-              <a:t>05-CSS3-Tasks/task1.png</a:t>
-            </a:r>
-          </a:p>
-          <a:p>
-            <a:pPr marL="457200" indent="-457200">
-              <a:buAutoNum type="arabicPeriod"/>
-            </a:pPr>
-            <a:r>
-              <a:rPr lang="bg-BG" sz="2000" b="1" dirty="0" smtClean="0">
+              <a:t>Създайте </a:t>
+            </a:r>
+            <a:r>
+              <a:rPr lang="bg-BG" sz="2000" dirty="0">
                 <a:solidFill>
                   <a:schemeClr val="bg1">
                     <a:lumMod val="95000"/>
                   </a:schemeClr>
                 </a:solidFill>
               </a:rPr>
-              <a:t>Направете </a:t>
-            </a:r>
-            <a:r>
-              <a:rPr lang="bg-BG" sz="2000" b="1" dirty="0" smtClean="0">
+              <a:t>страница-</a:t>
+            </a:r>
+            <a:r>
+              <a:rPr lang="en-US" sz="2000" dirty="0">
                 <a:solidFill>
                   <a:schemeClr val="bg1">
                     <a:lumMod val="95000"/>
                   </a:schemeClr>
                 </a:solidFill>
               </a:rPr>
-              <a:t>елементите, изобразени на </a:t>
-            </a:r>
-            <a:r>
-              <a:rPr lang="en-US" sz="2000" b="1" dirty="0" smtClean="0">
+              <a:t>reminder</a:t>
+            </a:r>
+            <a:r>
+              <a:rPr lang="bg-BG" sz="2000" dirty="0">
                 <a:solidFill>
                   <a:schemeClr val="bg1">
                     <a:lumMod val="95000"/>
                   </a:schemeClr>
                 </a:solidFill>
               </a:rPr>
-              <a:t>05-CSS3-Tasks/task2.png</a:t>
-            </a:r>
-            <a:r>
-              <a:rPr lang="bg-BG" sz="2000" b="1" dirty="0" smtClean="0">
+              <a:t>, подобна на тази във файла </a:t>
+            </a:r>
+            <a:r>
+              <a:rPr lang="en-US" sz="2000" dirty="0">
                 <a:solidFill>
                   <a:schemeClr val="bg1">
                     <a:lumMod val="95000"/>
                   </a:schemeClr>
                 </a:solidFill>
               </a:rPr>
-              <a:t>, като текстът в третия елемент, трябва да бъде от поне 20 думи.</a:t>
-            </a:r>
-          </a:p>
-          <a:p>
-            <a:pPr marL="457200" indent="-457200">
-              <a:buAutoNum type="arabicPeriod"/>
-            </a:pPr>
-            <a:r>
-              <a:rPr lang="bg-BG" sz="2000" b="1" dirty="0" smtClean="0">
+              <a:t>04-CSS-Tasks</a:t>
+            </a:r>
+            <a:r>
+              <a:rPr lang="bg-BG" sz="2000" dirty="0">
                 <a:solidFill>
                   <a:schemeClr val="bg1">
                     <a:lumMod val="95000"/>
                   </a:schemeClr>
                 </a:solidFill>
               </a:rPr>
-              <a:t>Направете </a:t>
-            </a:r>
-            <a:r>
-              <a:rPr lang="bg-BG" sz="2000" b="1" dirty="0" smtClean="0">
+              <a:t>/</a:t>
+            </a:r>
+            <a:r>
+              <a:rPr lang="en-US" sz="2000" dirty="0">
                 <a:solidFill>
                   <a:schemeClr val="bg1">
                     <a:lumMod val="95000"/>
                   </a:schemeClr>
                 </a:solidFill>
               </a:rPr>
-              <a:t>страница, подобна на </a:t>
-            </a:r>
-            <a:r>
-              <a:rPr lang="en-US" sz="2000" b="1" dirty="0" smtClean="0">
+              <a:t>task</a:t>
+            </a:r>
+            <a:r>
+              <a:rPr lang="bg-BG" sz="2000" dirty="0">
                 <a:solidFill>
                   <a:schemeClr val="bg1">
                     <a:lumMod val="95000"/>
                   </a:schemeClr>
                 </a:solidFill>
               </a:rPr>
-              <a:t>CSS3-Tasks/task3.png</a:t>
-            </a:r>
-            <a:r>
-              <a:rPr lang="bg-BG" sz="2000" b="1" dirty="0" smtClean="0">
+              <a:t>4.</a:t>
+            </a:r>
+            <a:r>
+              <a:rPr lang="en-US" sz="2000" dirty="0" err="1">
                 <a:solidFill>
                   <a:schemeClr val="bg1">
                     <a:lumMod val="95000"/>
                   </a:schemeClr>
                 </a:solidFill>
               </a:rPr>
-              <a:t>, като упражните </a:t>
-            </a:r>
-            <a:r>
-              <a:rPr lang="en-US" sz="2000" b="1" dirty="0" smtClean="0">
+              <a:t>png</a:t>
+            </a:r>
+            <a:r>
+              <a:rPr lang="bg-BG" sz="2000" dirty="0">
                 <a:solidFill>
                   <a:schemeClr val="bg1">
                     <a:lumMod val="95000"/>
                   </a:schemeClr>
                 </a:solidFill>
               </a:rPr>
-              <a:t>column</a:t>
-            </a:r>
-            <a:r>
-              <a:rPr lang="bg-BG" sz="2000" b="1" dirty="0" smtClean="0">
+              <a:t>, като приложите наученото за </a:t>
+            </a:r>
+            <a:r>
+              <a:rPr lang="bg-BG" sz="2000" dirty="0" smtClean="0">
                 <a:solidFill>
                   <a:schemeClr val="bg1">
                     <a:lumMod val="95000"/>
                   </a:schemeClr>
                 </a:solidFill>
               </a:rPr>
-              <a:t> свойствата.</a:t>
-            </a:r>
-          </a:p>
-          <a:p>
-            <a:pPr marL="457200" indent="-457200">
-              <a:buAutoNum type="arabicPeriod"/>
-            </a:pPr>
-            <a:r>
-              <a:rPr lang="bg-BG" sz="2000" b="1" dirty="0" smtClean="0">
-                <a:solidFill>
-                  <a:schemeClr val="bg1">
-                    <a:lumMod val="95000"/>
-                  </a:schemeClr>
-                </a:solidFill>
-              </a:rPr>
-              <a:t>Направете </a:t>
-            </a:r>
-            <a:r>
-              <a:rPr lang="bg-BG" sz="2000" b="1" dirty="0" smtClean="0">
-                <a:solidFill>
-                  <a:schemeClr val="bg1">
-                    <a:lumMod val="95000"/>
-                  </a:schemeClr>
-                </a:solidFill>
-              </a:rPr>
-              <a:t>страница, подобна на </a:t>
-            </a:r>
-            <a:r>
-              <a:rPr lang="en-US" sz="2000" b="1" dirty="0" smtClean="0">
-                <a:solidFill>
-                  <a:schemeClr val="bg1">
-                    <a:lumMod val="95000"/>
-                  </a:schemeClr>
-                </a:solidFill>
-              </a:rPr>
-              <a:t>CSS3-Tasks/task4.png</a:t>
-            </a:r>
-          </a:p>
-          <a:p>
-            <a:pPr marL="457200" indent="-457200">
-              <a:buAutoNum type="arabicPeriod"/>
-            </a:pPr>
-            <a:r>
-              <a:rPr lang="bg-BG" sz="2000" b="1" dirty="0" smtClean="0">
-                <a:solidFill>
-                  <a:schemeClr val="bg1">
-                    <a:lumMod val="95000"/>
-                  </a:schemeClr>
-                </a:solidFill>
-              </a:rPr>
-              <a:t>Направете елемент, който при </a:t>
-            </a:r>
-            <a:r>
-              <a:rPr lang="en-US" sz="2000" b="1" dirty="0" smtClean="0">
-                <a:solidFill>
-                  <a:schemeClr val="bg1">
-                    <a:lumMod val="95000"/>
-                  </a:schemeClr>
-                </a:solidFill>
-              </a:rPr>
-              <a:t>hover</a:t>
-            </a:r>
-            <a:r>
-              <a:rPr lang="bg-BG" sz="2000" b="1" dirty="0" smtClean="0">
-                <a:solidFill>
-                  <a:schemeClr val="bg1">
-                    <a:lumMod val="95000"/>
-                  </a:schemeClr>
-                </a:solidFill>
-              </a:rPr>
-              <a:t>, да се завърта на 180 градуса и анимацията му трае точно 2 секунди</a:t>
-            </a:r>
-            <a:endParaRPr lang="en-US" sz="2000" b="1" dirty="0" smtClean="0">
+              <a:t>позициониране</a:t>
+            </a:r>
+            <a:endParaRPr lang="en-US" sz="2000" dirty="0" smtClean="0">
               <a:solidFill>
                 <a:schemeClr val="bg1">
                   <a:lumMod val="95000"/>
@@ -8101,130 +8021,255 @@
             </a:endParaRPr>
           </a:p>
           <a:p>
-            <a:pPr marL="457200" indent="-457200">
-              <a:buAutoNum type="arabicPeriod"/>
-            </a:pPr>
-            <a:r>
-              <a:rPr lang="bg-BG" sz="2000" b="1" dirty="0" smtClean="0">
+            <a:pPr marL="0" indent="0">
+              <a:buNone/>
+            </a:pPr>
+            <a:r>
+              <a:rPr lang="bg-BG" sz="2000" dirty="0" smtClean="0">
                 <a:solidFill>
                   <a:schemeClr val="bg1">
                     <a:lumMod val="95000"/>
                   </a:schemeClr>
                 </a:solidFill>
               </a:rPr>
-              <a:t>Направете син квадрат с размери 100</a:t>
-            </a:r>
-            <a:r>
-              <a:rPr lang="en-US" sz="2000" b="1" dirty="0" err="1" smtClean="0">
+              <a:t>Използвайки </a:t>
+            </a:r>
+            <a:r>
+              <a:rPr lang="en-US" sz="2000" dirty="0" smtClean="0">
                 <a:solidFill>
                   <a:schemeClr val="bg1">
                     <a:lumMod val="95000"/>
                   </a:schemeClr>
                 </a:solidFill>
               </a:rPr>
-              <a:t>px</a:t>
-            </a:r>
-            <a:r>
-              <a:rPr lang="en-US" sz="2000" b="1" dirty="0" smtClean="0">
+              <a:t>CSS3</a:t>
+            </a:r>
+            <a:r>
+              <a:rPr lang="bg-BG" sz="2000" dirty="0" smtClean="0">
                 <a:solidFill>
                   <a:schemeClr val="bg1">
                     <a:lumMod val="95000"/>
                   </a:schemeClr>
                 </a:solidFill>
               </a:rPr>
-              <a:t>/100px</a:t>
-            </a:r>
-            <a:r>
-              <a:rPr lang="bg-BG" sz="2000" b="1" dirty="0" smtClean="0">
+              <a:t>:</a:t>
+            </a:r>
+          </a:p>
+          <a:p>
+            <a:pPr marL="457200" indent="-457200">
+              <a:buAutoNum type="arabicPeriod"/>
+            </a:pPr>
+            <a:r>
+              <a:rPr lang="bg-BG" sz="2000" dirty="0" smtClean="0">
                 <a:solidFill>
                   <a:schemeClr val="bg1">
                     <a:lumMod val="95000"/>
                   </a:schemeClr>
                 </a:solidFill>
               </a:rPr>
-              <a:t>, който с движението си описва квадрат, обратно на часовниковата стрелка, неограничен брой пъти.</a:t>
-            </a:r>
-          </a:p>
-          <a:p>
-            <a:pPr marL="0" indent="0">
-              <a:buNone/>
-            </a:pPr>
-            <a:r>
-              <a:rPr lang="bg-BG" sz="2000" b="1" dirty="0" smtClean="0">
+              <a:t>Направете форма, подобна на </a:t>
+            </a:r>
+            <a:r>
+              <a:rPr lang="en-US" sz="2000" dirty="0" smtClean="0">
                 <a:solidFill>
                   <a:schemeClr val="bg1">
                     <a:lumMod val="95000"/>
                   </a:schemeClr>
                 </a:solidFill>
               </a:rPr>
-              <a:t>	*</a:t>
-            </a:r>
-            <a:r>
-              <a:rPr lang="en-US" sz="2000" b="1" dirty="0" smtClean="0">
+              <a:t>05-CSS3-Tasks/task1.png</a:t>
+            </a:r>
+          </a:p>
+          <a:p>
+            <a:pPr marL="457200" indent="-457200">
+              <a:buAutoNum type="arabicPeriod"/>
+            </a:pPr>
+            <a:r>
+              <a:rPr lang="bg-BG" sz="2000" dirty="0" smtClean="0">
                 <a:solidFill>
                   <a:schemeClr val="bg1">
                     <a:lumMod val="95000"/>
                   </a:schemeClr>
                 </a:solidFill>
               </a:rPr>
-              <a:t>hint: </a:t>
-            </a:r>
-            <a:r>
-              <a:rPr lang="bg-BG" sz="2000" b="1" dirty="0" smtClean="0">
+              <a:t>Направете елементите, изобразени на </a:t>
+            </a:r>
+            <a:r>
+              <a:rPr lang="en-US" sz="2000" dirty="0" smtClean="0">
                 <a:solidFill>
                   <a:schemeClr val="bg1">
                     <a:lumMod val="95000"/>
                   </a:schemeClr>
                 </a:solidFill>
               </a:rPr>
-              <a:t>анимацията трябва да е подобна на тази в </a:t>
-            </a:r>
-            <a:r>
-              <a:rPr lang="en-US" sz="2000" b="1" dirty="0" smtClean="0">
+              <a:t>05-CSS3-Tasks/task2.png</a:t>
+            </a:r>
+            <a:r>
+              <a:rPr lang="bg-BG" sz="2000" dirty="0" smtClean="0">
                 <a:solidFill>
                   <a:schemeClr val="bg1">
                     <a:lumMod val="95000"/>
                   </a:schemeClr>
                 </a:solidFill>
               </a:rPr>
-              <a:t>05-CSS3-Examples/animations.html</a:t>
-            </a:r>
-            <a:r>
-              <a:rPr lang="bg-BG" sz="2000" b="1" dirty="0" smtClean="0">
+              <a:t>, като текстът в третия елемент, трябва да бъде от поне 20 думи.</a:t>
+            </a:r>
+          </a:p>
+          <a:p>
+            <a:pPr marL="457200" indent="-457200">
+              <a:buAutoNum type="arabicPeriod"/>
+            </a:pPr>
+            <a:r>
+              <a:rPr lang="bg-BG" sz="2000" dirty="0" smtClean="0">
                 <a:solidFill>
                   <a:schemeClr val="bg1">
                     <a:lumMod val="95000"/>
                   </a:schemeClr>
                 </a:solidFill>
               </a:rPr>
-              <a:t>(</a:t>
-            </a:r>
-            <a:r>
-              <a:rPr lang="en-US" sz="2000" b="1" dirty="0" smtClean="0">
+              <a:t>Направете страница, подобна на </a:t>
+            </a:r>
+            <a:r>
+              <a:rPr lang="en-US" sz="2000" dirty="0" smtClean="0">
                 <a:solidFill>
                   <a:schemeClr val="bg1">
                     <a:lumMod val="95000"/>
                   </a:schemeClr>
                 </a:solidFill>
               </a:rPr>
-              <a:t>Example</a:t>
-            </a:r>
-            <a:r>
-              <a:rPr lang="bg-BG" sz="2000" b="1" dirty="0" smtClean="0">
+              <a:t>CSS3-Tasks/task3.png</a:t>
+            </a:r>
+            <a:r>
+              <a:rPr lang="bg-BG" sz="2000" dirty="0" smtClean="0">
                 <a:solidFill>
                   <a:schemeClr val="bg1">
                     <a:lumMod val="95000"/>
                   </a:schemeClr>
                 </a:solidFill>
               </a:rPr>
-              <a:t> елементът), но с обратна посока</a:t>
-            </a:r>
-          </a:p>
-          <a:p>
-            <a:pPr marL="0" indent="0">
-              <a:buNone/>
-            </a:pPr>
-            <a:endParaRPr lang="bg-BG" sz="2000" b="1" dirty="0" smtClean="0">
+              <a:t>, като упражните </a:t>
+            </a:r>
+            <a:r>
+              <a:rPr lang="en-US" sz="2000" dirty="0" smtClean="0">
+                <a:solidFill>
+                  <a:schemeClr val="bg1">
+                    <a:lumMod val="95000"/>
+                  </a:schemeClr>
+                </a:solidFill>
+              </a:rPr>
+              <a:t>column</a:t>
+            </a:r>
+            <a:r>
+              <a:rPr lang="bg-BG" sz="2000" dirty="0" smtClean="0">
+                <a:solidFill>
+                  <a:schemeClr val="bg1">
+                    <a:lumMod val="95000"/>
+                  </a:schemeClr>
+                </a:solidFill>
+              </a:rPr>
+              <a:t> свойствата.</a:t>
+            </a:r>
+          </a:p>
+          <a:p>
+            <a:pPr marL="457200" indent="-457200">
+              <a:buAutoNum type="arabicPeriod"/>
+            </a:pPr>
+            <a:r>
+              <a:rPr lang="bg-BG" sz="2000" dirty="0" smtClean="0">
+                <a:solidFill>
+                  <a:schemeClr val="bg1">
+                    <a:lumMod val="95000"/>
+                  </a:schemeClr>
+                </a:solidFill>
+              </a:rPr>
+              <a:t>Направете страница, подобна на </a:t>
+            </a:r>
+            <a:r>
+              <a:rPr lang="en-US" sz="2000" dirty="0" smtClean="0">
+                <a:solidFill>
+                  <a:schemeClr val="bg1">
+                    <a:lumMod val="95000"/>
+                  </a:schemeClr>
+                </a:solidFill>
+              </a:rPr>
+              <a:t>CSS3-Tasks/task4.png</a:t>
+            </a:r>
+          </a:p>
+          <a:p>
+            <a:pPr marL="457200" indent="-457200">
+              <a:buAutoNum type="arabicPeriod"/>
+            </a:pPr>
+            <a:r>
+              <a:rPr lang="bg-BG" sz="2000" dirty="0" smtClean="0">
+                <a:solidFill>
+                  <a:schemeClr val="bg1">
+                    <a:lumMod val="95000"/>
+                  </a:schemeClr>
+                </a:solidFill>
+              </a:rPr>
+              <a:t>Направете елемент, който при </a:t>
+            </a:r>
+            <a:r>
+              <a:rPr lang="en-US" sz="2000" dirty="0" smtClean="0">
+                <a:solidFill>
+                  <a:schemeClr val="bg1">
+                    <a:lumMod val="95000"/>
+                  </a:schemeClr>
+                </a:solidFill>
+              </a:rPr>
+              <a:t>hover</a:t>
+            </a:r>
+            <a:r>
+              <a:rPr lang="bg-BG" sz="2000" dirty="0" smtClean="0">
+                <a:solidFill>
+                  <a:schemeClr val="bg1">
+                    <a:lumMod val="95000"/>
+                  </a:schemeClr>
+                </a:solidFill>
+              </a:rPr>
+              <a:t>, </a:t>
+            </a:r>
+            <a:r>
+              <a:rPr lang="bg-BG" sz="2000" dirty="0" smtClean="0">
+                <a:solidFill>
+                  <a:schemeClr val="bg1">
+                    <a:lumMod val="95000"/>
+                  </a:schemeClr>
+                </a:solidFill>
+              </a:rPr>
+              <a:t>се </a:t>
+            </a:r>
+            <a:r>
+              <a:rPr lang="bg-BG" sz="2000" dirty="0" smtClean="0">
+                <a:solidFill>
+                  <a:schemeClr val="bg1">
+                    <a:lumMod val="95000"/>
+                  </a:schemeClr>
+                </a:solidFill>
+              </a:rPr>
+              <a:t>завърта на 180 градуса и анимацията му трае </a:t>
+            </a:r>
+            <a:r>
+              <a:rPr lang="bg-BG" sz="2000" dirty="0" smtClean="0">
+                <a:solidFill>
+                  <a:schemeClr val="bg1">
+                    <a:lumMod val="95000"/>
+                  </a:schemeClr>
+                </a:solidFill>
+              </a:rPr>
+              <a:t>2 </a:t>
+            </a:r>
+            <a:r>
+              <a:rPr lang="bg-BG" sz="2000" dirty="0" smtClean="0">
+                <a:solidFill>
+                  <a:schemeClr val="bg1">
+                    <a:lumMod val="95000"/>
+                  </a:schemeClr>
+                </a:solidFill>
+              </a:rPr>
+              <a:t>секунди</a:t>
+            </a:r>
+            <a:endParaRPr lang="en-US" sz="2000" dirty="0" smtClean="0">
               <a:solidFill>
                 <a:schemeClr val="bg1">
                   <a:lumMod val="95000"/>
@@ -8233,50 +8278,130 @@
             </a:endParaRPr>
           </a:p>
           <a:p>
-            <a:pPr marL="0" indent="0">
-              <a:buNone/>
-            </a:pPr>
-            <a:r>
-              <a:rPr lang="bg-BG" sz="2000" b="1" dirty="0" smtClean="0">
+            <a:pPr marL="457200" indent="-457200">
+              <a:buAutoNum type="arabicPeriod"/>
+            </a:pPr>
+            <a:r>
+              <a:rPr lang="bg-BG" sz="2000" dirty="0" smtClean="0">
                 <a:solidFill>
                   <a:schemeClr val="bg1">
                     <a:lumMod val="95000"/>
                   </a:schemeClr>
                 </a:solidFill>
               </a:rPr>
-              <a:t>Когато </a:t>
-            </a:r>
-            <a:r>
-              <a:rPr lang="bg-BG" sz="2000" b="1" dirty="0">
+              <a:t>Направете син квадрат с размери 100</a:t>
+            </a:r>
+            <a:r>
+              <a:rPr lang="en-US" sz="2000" dirty="0" err="1" smtClean="0">
                 <a:solidFill>
                   <a:schemeClr val="bg1">
                     <a:lumMod val="95000"/>
                   </a:schemeClr>
                 </a:solidFill>
               </a:rPr>
-              <a:t>сте готови с всички задачи, ги качвате в </a:t>
-            </a:r>
-            <a:r>
-              <a:rPr lang="en-US" sz="2000" b="1" dirty="0">
+              <a:t>px</a:t>
+            </a:r>
+            <a:r>
+              <a:rPr lang="en-US" sz="2000" dirty="0" smtClean="0">
                 <a:solidFill>
                   <a:schemeClr val="bg1">
                     <a:lumMod val="95000"/>
                   </a:schemeClr>
                 </a:solidFill>
               </a:rPr>
-              <a:t>GitHub </a:t>
-            </a:r>
-            <a:r>
-              <a:rPr lang="bg-BG" sz="2000" b="1" dirty="0">
+              <a:t>/100px</a:t>
+            </a:r>
+            <a:r>
+              <a:rPr lang="bg-BG" sz="2000" dirty="0" smtClean="0">
                 <a:solidFill>
                   <a:schemeClr val="bg1">
                     <a:lumMod val="95000"/>
                   </a:schemeClr>
                 </a:solidFill>
               </a:rPr>
-              <a:t>и ми пращате линк.</a:t>
-            </a:r>
-            <a:endParaRPr lang="bg-BG" sz="2000" dirty="0">
+              <a:t>, който с движението си описва квадрат, обратно на часовниковата стрелка, неограничен брой пъти.</a:t>
+            </a:r>
+          </a:p>
+          <a:p>
+            <a:pPr marL="0" indent="0">
+              <a:buNone/>
+            </a:pPr>
+            <a:r>
+              <a:rPr lang="bg-BG" sz="2000" dirty="0" smtClean="0">
+                <a:solidFill>
+                  <a:schemeClr val="bg1">
+                    <a:lumMod val="95000"/>
+                  </a:schemeClr>
+                </a:solidFill>
+              </a:rPr>
+              <a:t>	*</a:t>
+            </a:r>
+            <a:r>
+              <a:rPr lang="en-US" sz="2000" dirty="0" smtClean="0">
+                <a:solidFill>
+                  <a:schemeClr val="bg1">
+                    <a:lumMod val="95000"/>
+                  </a:schemeClr>
+                </a:solidFill>
+              </a:rPr>
+              <a:t>hint: </a:t>
+            </a:r>
+            <a:r>
+              <a:rPr lang="bg-BG" sz="2000" dirty="0" smtClean="0">
+                <a:solidFill>
+                  <a:schemeClr val="bg1">
+                    <a:lumMod val="95000"/>
+                  </a:schemeClr>
+                </a:solidFill>
+              </a:rPr>
+              <a:t>анимацията трябва да е подобна на тази в </a:t>
+            </a:r>
+            <a:r>
+              <a:rPr lang="en-US" sz="2000" dirty="0" smtClean="0">
+                <a:solidFill>
+                  <a:schemeClr val="bg1">
+                    <a:lumMod val="95000"/>
+                  </a:schemeClr>
+                </a:solidFill>
+              </a:rPr>
+              <a:t>05-CSS3-Examples/animations.html</a:t>
+            </a:r>
+            <a:r>
+              <a:rPr lang="bg-BG" sz="2000" dirty="0" smtClean="0">
+                <a:solidFill>
+                  <a:schemeClr val="bg1">
+                    <a:lumMod val="95000"/>
+                  </a:schemeClr>
+                </a:solidFill>
+              </a:rPr>
+              <a:t>(</a:t>
+            </a:r>
+            <a:r>
+              <a:rPr lang="en-US" sz="2000" dirty="0" smtClean="0">
+                <a:solidFill>
+                  <a:schemeClr val="bg1">
+                    <a:lumMod val="95000"/>
+                  </a:schemeClr>
+                </a:solidFill>
+              </a:rPr>
+              <a:t>Example</a:t>
+            </a:r>
+            <a:r>
+              <a:rPr lang="bg-BG" sz="2000" dirty="0" smtClean="0">
+                <a:solidFill>
+                  <a:schemeClr val="bg1">
+                    <a:lumMod val="95000"/>
+                  </a:schemeClr>
+                </a:solidFill>
+              </a:rPr>
+              <a:t> елементът), но с обратна посока</a:t>
+            </a:r>
+          </a:p>
+          <a:p>
+            <a:pPr marL="0" indent="0">
+              <a:buNone/>
+            </a:pPr>
+            <a:endParaRPr lang="bg-BG" sz="2000" dirty="0" smtClean="0">
               <a:solidFill>
                 <a:schemeClr val="bg1">
                   <a:lumMod val="95000"/>
@@ -8289,68 +8414,106 @@
               <a:buNone/>
             </a:pPr>
             <a:r>
-              <a:rPr lang="bg-BG" sz="2000" b="1" dirty="0">
+              <a:rPr lang="bg-BG" sz="2000" dirty="0" smtClean="0">
                 <a:solidFill>
                   <a:schemeClr val="bg1">
                     <a:lumMod val="95000"/>
                   </a:schemeClr>
                 </a:solidFill>
               </a:rPr>
-              <a:t>Крайният срок за предаване на задачите е </a:t>
-            </a:r>
-            <a:r>
-              <a:rPr lang="bg-BG" sz="2000" b="1" u="sng" dirty="0" smtClean="0">
+              <a:t>Когато </a:t>
+            </a:r>
+            <a:r>
+              <a:rPr lang="bg-BG" sz="2000" dirty="0">
                 <a:solidFill>
                   <a:schemeClr val="bg1">
                     <a:lumMod val="95000"/>
                   </a:schemeClr>
                 </a:solidFill>
               </a:rPr>
-              <a:t>02.08.2015</a:t>
-            </a:r>
-            <a:r>
-              <a:rPr lang="bg-BG" sz="2000" b="1" u="sng" dirty="0">
+              <a:t>сте готови с всички задачи, ги качвате в </a:t>
+            </a:r>
+            <a:r>
+              <a:rPr lang="en-US" sz="2000" dirty="0">
                 <a:solidFill>
                   <a:schemeClr val="bg1">
                     <a:lumMod val="95000"/>
                   </a:schemeClr>
                 </a:solidFill>
               </a:rPr>
-              <a:t>, 23:59 </a:t>
-            </a:r>
-            <a:r>
-              <a:rPr lang="bg-BG" sz="2000" b="1" u="sng" dirty="0">
+              <a:t>GitHub </a:t>
+            </a:r>
+            <a:r>
+              <a:rPr lang="bg-BG" sz="2000" dirty="0">
                 <a:solidFill>
                   <a:schemeClr val="bg1">
                     <a:lumMod val="95000"/>
                   </a:schemeClr>
                 </a:solidFill>
-                <a:sym typeface="Wingdings" panose="05000000000000000000" pitchFamily="2" charset="2"/>
-              </a:rPr>
-              <a:t></a:t>
-            </a:r>
-          </a:p>
-          <a:p>
-            <a:pPr marL="0" indent="0">
-              <a:buNone/>
-            </a:pPr>
-            <a:r>
-              <a:rPr lang="bg-BG" sz="2000" b="1" dirty="0">
+              </a:rPr>
+              <a:t>и ми пращате линк.</a:t>
+            </a:r>
+          </a:p>
+          <a:p>
+            <a:pPr marL="0" indent="0">
+              <a:buNone/>
+            </a:pPr>
+            <a:r>
+              <a:rPr lang="bg-BG" sz="2000" dirty="0">
                 <a:solidFill>
                   <a:schemeClr val="bg1">
                     <a:lumMod val="95000"/>
                   </a:schemeClr>
                 </a:solidFill>
               </a:rPr>
+              <a:t>Крайният срок за предаване на задачите е </a:t>
+            </a:r>
+            <a:r>
+              <a:rPr lang="bg-BG" sz="2000" b="1" u="sng" dirty="0" smtClean="0">
+                <a:solidFill>
+                  <a:schemeClr val="bg1">
+                    <a:lumMod val="95000"/>
+                  </a:schemeClr>
+                </a:solidFill>
+              </a:rPr>
+              <a:t>02.08.2015</a:t>
+            </a:r>
+            <a:r>
+              <a:rPr lang="bg-BG" sz="2000" b="1" u="sng" dirty="0">
+                <a:solidFill>
+                  <a:schemeClr val="bg1">
+                    <a:lumMod val="95000"/>
+                  </a:schemeClr>
+                </a:solidFill>
+              </a:rPr>
+              <a:t>, 23:59 </a:t>
+            </a:r>
+            <a:r>
+              <a:rPr lang="bg-BG" sz="2000" b="1" u="sng" dirty="0">
+                <a:solidFill>
+                  <a:schemeClr val="bg1">
+                    <a:lumMod val="95000"/>
+                  </a:schemeClr>
+                </a:solidFill>
+                <a:sym typeface="Wingdings" panose="05000000000000000000" pitchFamily="2" charset="2"/>
+              </a:rPr>
+              <a:t></a:t>
+            </a:r>
+          </a:p>
+          <a:p>
+            <a:pPr marL="0" indent="0">
+              <a:buNone/>
+            </a:pPr>
+            <a:r>
+              <a:rPr lang="bg-BG" sz="2000" dirty="0">
+                <a:solidFill>
+                  <a:schemeClr val="bg1">
+                    <a:lumMod val="95000"/>
+                  </a:schemeClr>
+                </a:solidFill>
+              </a:rPr>
               <a:t>Задачи, пратени след срока, няма да бъдат оценявани.</a:t>
             </a:r>
-            <a:endParaRPr lang="bg-BG" sz="2000" b="1" dirty="0">
-              <a:solidFill>
-                <a:schemeClr val="bg1">
-                  <a:lumMod val="95000"/>
-                </a:schemeClr>
-              </a:solidFill>
-            </a:endParaRPr>
           </a:p>
         </p:txBody>
       </p:sp>

--- a/05-CSS3.pptx
+++ b/05-CSS3.pptx
@@ -240,7 +240,7 @@
           <a:p>
             <a:fld id="{2E054F57-E93D-4CC3-8A27-2F256E70BB98}" type="datetimeFigureOut">
               <a:rPr lang="en-US" smtClean="0"/>
-              <a:t>28 Jul 15</a:t>
+              <a:t>29 Jul 15</a:t>
             </a:fld>
             <a:endParaRPr lang="en-US"/>
           </a:p>
@@ -689,7 +689,7 @@
           <a:p>
             <a:fld id="{3EA744D9-3FBE-48D8-BF2A-85DF203E4D20}" type="datetimeFigureOut">
               <a:rPr lang="bg-BG" smtClean="0"/>
-              <a:t>28.7.2015 г.</a:t>
+              <a:t>29.7.2015 г.</a:t>
             </a:fld>
             <a:endParaRPr lang="bg-BG"/>
           </a:p>
@@ -859,7 +859,7 @@
           <a:p>
             <a:fld id="{3EA744D9-3FBE-48D8-BF2A-85DF203E4D20}" type="datetimeFigureOut">
               <a:rPr lang="bg-BG" smtClean="0"/>
-              <a:t>28.7.2015 г.</a:t>
+              <a:t>29.7.2015 г.</a:t>
             </a:fld>
             <a:endParaRPr lang="bg-BG"/>
           </a:p>
@@ -1039,7 +1039,7 @@
           <a:p>
             <a:fld id="{3EA744D9-3FBE-48D8-BF2A-85DF203E4D20}" type="datetimeFigureOut">
               <a:rPr lang="bg-BG" smtClean="0"/>
-              <a:t>28.7.2015 г.</a:t>
+              <a:t>29.7.2015 г.</a:t>
             </a:fld>
             <a:endParaRPr lang="bg-BG"/>
           </a:p>
@@ -1209,7 +1209,7 @@
           <a:p>
             <a:fld id="{3EA744D9-3FBE-48D8-BF2A-85DF203E4D20}" type="datetimeFigureOut">
               <a:rPr lang="bg-BG" smtClean="0"/>
-              <a:t>28.7.2015 г.</a:t>
+              <a:t>29.7.2015 г.</a:t>
             </a:fld>
             <a:endParaRPr lang="bg-BG"/>
           </a:p>
@@ -1455,7 +1455,7 @@
           <a:p>
             <a:fld id="{3EA744D9-3FBE-48D8-BF2A-85DF203E4D20}" type="datetimeFigureOut">
               <a:rPr lang="bg-BG" smtClean="0"/>
-              <a:t>28.7.2015 г.</a:t>
+              <a:t>29.7.2015 г.</a:t>
             </a:fld>
             <a:endParaRPr lang="bg-BG"/>
           </a:p>
@@ -1743,7 +1743,7 @@
           <a:p>
             <a:fld id="{3EA744D9-3FBE-48D8-BF2A-85DF203E4D20}" type="datetimeFigureOut">
               <a:rPr lang="bg-BG" smtClean="0"/>
-              <a:t>28.7.2015 г.</a:t>
+              <a:t>29.7.2015 г.</a:t>
             </a:fld>
             <a:endParaRPr lang="bg-BG"/>
           </a:p>
@@ -2165,7 +2165,7 @@
           <a:p>
             <a:fld id="{3EA744D9-3FBE-48D8-BF2A-85DF203E4D20}" type="datetimeFigureOut">
               <a:rPr lang="bg-BG" smtClean="0"/>
-              <a:t>28.7.2015 г.</a:t>
+              <a:t>29.7.2015 г.</a:t>
             </a:fld>
             <a:endParaRPr lang="bg-BG"/>
           </a:p>
@@ -2283,7 +2283,7 @@
           <a:p>
             <a:fld id="{3EA744D9-3FBE-48D8-BF2A-85DF203E4D20}" type="datetimeFigureOut">
               <a:rPr lang="bg-BG" smtClean="0"/>
-              <a:t>28.7.2015 г.</a:t>
+              <a:t>29.7.2015 г.</a:t>
             </a:fld>
             <a:endParaRPr lang="bg-BG"/>
           </a:p>
@@ -2378,7 +2378,7 @@
           <a:p>
             <a:fld id="{3EA744D9-3FBE-48D8-BF2A-85DF203E4D20}" type="datetimeFigureOut">
               <a:rPr lang="bg-BG" smtClean="0"/>
-              <a:t>28.7.2015 г.</a:t>
+              <a:t>29.7.2015 г.</a:t>
             </a:fld>
             <a:endParaRPr lang="bg-BG"/>
           </a:p>
@@ -2655,7 +2655,7 @@
           <a:p>
             <a:fld id="{3EA744D9-3FBE-48D8-BF2A-85DF203E4D20}" type="datetimeFigureOut">
               <a:rPr lang="bg-BG" smtClean="0"/>
-              <a:t>28.7.2015 г.</a:t>
+              <a:t>29.7.2015 г.</a:t>
             </a:fld>
             <a:endParaRPr lang="bg-BG"/>
           </a:p>
@@ -2908,7 +2908,7 @@
           <a:p>
             <a:fld id="{3EA744D9-3FBE-48D8-BF2A-85DF203E4D20}" type="datetimeFigureOut">
               <a:rPr lang="bg-BG" smtClean="0"/>
-              <a:t>28.7.2015 г.</a:t>
+              <a:t>29.7.2015 г.</a:t>
             </a:fld>
             <a:endParaRPr lang="bg-BG"/>
           </a:p>
@@ -3130,7 +3130,7 @@
           <a:p>
             <a:fld id="{3EA744D9-3FBE-48D8-BF2A-85DF203E4D20}" type="datetimeFigureOut">
               <a:rPr lang="bg-BG" smtClean="0"/>
-              <a:t>28.7.2015 г.</a:t>
+              <a:t>29.7.2015 г.</a:t>
             </a:fld>
             <a:endParaRPr lang="bg-BG"/>
           </a:p>
@@ -5959,109 +5959,6 @@
               <a:buChar char="§"/>
             </a:pPr>
             <a:r>
-              <a:rPr lang="en-US" sz="2800" dirty="0">
-                <a:solidFill>
-                  <a:schemeClr val="bg1"/>
-                </a:solidFill>
-              </a:rPr>
-              <a:t>rotate3d(</a:t>
-            </a:r>
-            <a:r>
-              <a:rPr lang="en-US" sz="2800" i="1" dirty="0" err="1">
-                <a:solidFill>
-                  <a:schemeClr val="bg1"/>
-                </a:solidFill>
-              </a:rPr>
-              <a:t>x,y,z,angle</a:t>
-            </a:r>
-            <a:r>
-              <a:rPr lang="en-US" sz="2800" dirty="0">
-                <a:solidFill>
-                  <a:schemeClr val="bg1"/>
-                </a:solidFill>
-              </a:rPr>
-              <a:t>) </a:t>
-            </a:r>
-            <a:r>
-              <a:rPr lang="en-US" sz="2800" dirty="0" smtClean="0">
-                <a:solidFill>
-                  <a:schemeClr val="bg1"/>
-                </a:solidFill>
-              </a:rPr>
-              <a:t>, </a:t>
-            </a:r>
-            <a:r>
-              <a:rPr lang="en-US" sz="2800" dirty="0" err="1" smtClean="0">
-                <a:solidFill>
-                  <a:schemeClr val="bg1"/>
-                </a:solidFill>
-              </a:rPr>
-              <a:t>rotateX</a:t>
-            </a:r>
-            <a:r>
-              <a:rPr lang="en-US" sz="2800" dirty="0" smtClean="0">
-                <a:solidFill>
-                  <a:schemeClr val="bg1"/>
-                </a:solidFill>
-              </a:rPr>
-              <a:t>(), </a:t>
-            </a:r>
-            <a:r>
-              <a:rPr lang="en-US" sz="2800" dirty="0" err="1" smtClean="0">
-                <a:solidFill>
-                  <a:schemeClr val="bg1"/>
-                </a:solidFill>
-              </a:rPr>
-              <a:t>rotateY</a:t>
-            </a:r>
-            <a:r>
-              <a:rPr lang="en-US" sz="2800" dirty="0" smtClean="0">
-                <a:solidFill>
-                  <a:schemeClr val="bg1"/>
-                </a:solidFill>
-              </a:rPr>
-              <a:t>()</a:t>
-            </a:r>
-            <a:r>
-              <a:rPr lang="en-US" sz="3000" dirty="0" smtClean="0">
-                <a:solidFill>
-                  <a:schemeClr val="bg1"/>
-                </a:solidFill>
-                <a:latin typeface="+mj-lt"/>
-                <a:cs typeface="Courier New" panose="02070309020205020404" pitchFamily="49" charset="0"/>
-              </a:rPr>
-              <a:t>, </a:t>
-            </a:r>
-            <a:r>
-              <a:rPr lang="en-US" sz="2800" dirty="0" err="1" smtClean="0">
-                <a:solidFill>
-                  <a:schemeClr val="bg1"/>
-                </a:solidFill>
-              </a:rPr>
-              <a:t>rotateZ</a:t>
-            </a:r>
-            <a:r>
-              <a:rPr lang="en-US" sz="2800" dirty="0" smtClean="0">
-                <a:solidFill>
-                  <a:schemeClr val="bg1"/>
-                </a:solidFill>
-              </a:rPr>
-              <a:t>()</a:t>
-            </a:r>
-            <a:endParaRPr lang="en-US" sz="3000" dirty="0" smtClean="0">
-              <a:solidFill>
-                <a:schemeClr val="bg1"/>
-              </a:solidFill>
-              <a:latin typeface="+mj-lt"/>
-              <a:cs typeface="Courier New" panose="02070309020205020404" pitchFamily="49" charset="0"/>
-            </a:endParaRPr>
-          </a:p>
-          <a:p>
-            <a:pPr>
-              <a:buFont typeface="Wingdings" panose="05000000000000000000" pitchFamily="2" charset="2"/>
-              <a:buChar char="§"/>
-            </a:pPr>
-            <a:r>
               <a:rPr lang="en-US" sz="3000" dirty="0" smtClean="0">
                 <a:solidFill>
                   <a:schemeClr val="bg1"/>
@@ -8227,47 +8124,7 @@
                   </a:schemeClr>
                 </a:solidFill>
               </a:rPr>
-              <a:t>, </a:t>
-            </a:r>
-            <a:r>
-              <a:rPr lang="bg-BG" sz="2000" dirty="0" smtClean="0">
-                <a:solidFill>
-                  <a:schemeClr val="bg1">
-                    <a:lumMod val="95000"/>
-                  </a:schemeClr>
-                </a:solidFill>
-              </a:rPr>
-              <a:t>се </a:t>
-            </a:r>
-            <a:r>
-              <a:rPr lang="bg-BG" sz="2000" dirty="0" smtClean="0">
-                <a:solidFill>
-                  <a:schemeClr val="bg1">
-                    <a:lumMod val="95000"/>
-                  </a:schemeClr>
-                </a:solidFill>
-              </a:rPr>
-              <a:t>завърта на 180 градуса и анимацията му трае </a:t>
-            </a:r>
-            <a:r>
-              <a:rPr lang="bg-BG" sz="2000" dirty="0" smtClean="0">
-                <a:solidFill>
-                  <a:schemeClr val="bg1">
-                    <a:lumMod val="95000"/>
-                  </a:schemeClr>
-                </a:solidFill>
-              </a:rPr>
-              <a:t>2 </a:t>
-            </a:r>
-            <a:r>
-              <a:rPr lang="bg-BG" sz="2000" dirty="0" smtClean="0">
-                <a:solidFill>
-                  <a:schemeClr val="bg1">
-                    <a:lumMod val="95000"/>
-                  </a:schemeClr>
-                </a:solidFill>
-              </a:rPr>
-              <a:t>секунди</a:t>
+              <a:t>, се завърта на 180 градуса и анимацията му трае 2 секунди</a:t>
             </a:r>
             <a:endParaRPr lang="en-US" sz="2000" dirty="0" smtClean="0">
               <a:solidFill>
@@ -10612,8 +10469,25 @@
                 <a:latin typeface="Courier New" panose="02070309020205020404" pitchFamily="49" charset="0"/>
                 <a:cs typeface="Courier New" panose="02070309020205020404" pitchFamily="49" charset="0"/>
               </a:rPr>
-              <a:t>	background: green;</a:t>
-            </a:r>
+              <a:t>	background: </a:t>
+            </a:r>
+            <a:r>
+              <a:rPr lang="en-US" sz="1500" dirty="0" smtClean="0">
+                <a:solidFill>
+                  <a:schemeClr val="accent3"/>
+                </a:solidFill>
+                <a:latin typeface="Courier New" panose="02070309020205020404" pitchFamily="49" charset="0"/>
+                <a:cs typeface="Courier New" panose="02070309020205020404" pitchFamily="49" charset="0"/>
+              </a:rPr>
+              <a:t>#0f0;</a:t>
+            </a:r>
+            <a:endParaRPr lang="en-US" sz="1500" dirty="0">
+              <a:solidFill>
+                <a:schemeClr val="accent3"/>
+              </a:solidFill>
+              <a:latin typeface="Courier New" panose="02070309020205020404" pitchFamily="49" charset="0"/>
+              <a:cs typeface="Courier New" panose="02070309020205020404" pitchFamily="49" charset="0"/>
+            </a:endParaRPr>
           </a:p>
           <a:p>
             <a:pPr marL="0" indent="0">
@@ -10637,8 +10511,25 @@
                 <a:latin typeface="Courier New" panose="02070309020205020404" pitchFamily="49" charset="0"/>
                 <a:cs typeface="Courier New" panose="02070309020205020404" pitchFamily="49" charset="0"/>
               </a:rPr>
-              <a:t>opacity: 0.5;</a:t>
-            </a:r>
+              <a:t>opacity: </a:t>
+            </a:r>
+            <a:r>
+              <a:rPr lang="en-US" sz="1500" u="sng" dirty="0" smtClean="0">
+                <a:solidFill>
+                  <a:schemeClr val="accent3"/>
+                </a:solidFill>
+                <a:latin typeface="Courier New" panose="02070309020205020404" pitchFamily="49" charset="0"/>
+                <a:cs typeface="Courier New" panose="02070309020205020404" pitchFamily="49" charset="0"/>
+              </a:rPr>
+              <a:t>0.5;</a:t>
+            </a:r>
+            <a:endParaRPr lang="en-US" sz="1500" u="sng" dirty="0">
+              <a:solidFill>
+                <a:schemeClr val="accent3"/>
+              </a:solidFill>
+              <a:latin typeface="Courier New" panose="02070309020205020404" pitchFamily="49" charset="0"/>
+              <a:cs typeface="Courier New" panose="02070309020205020404" pitchFamily="49" charset="0"/>
+            </a:endParaRPr>
           </a:p>
           <a:p>
             <a:pPr marL="0" indent="0">
